--- a/MyBlog/ASP.pptx
+++ b/MyBlog/ASP.pptx
@@ -6294,7 +6294,7 @@
         </p:spPr>
         <p:txBody>
           <a:bodyPr vert="horz" lIns="91440" tIns="45720" rIns="91440" bIns="45720" rtlCol="0" anchor="t">
-            <a:normAutofit lnSpcReduction="10000"/>
+            <a:normAutofit fontScale="92500" lnSpcReduction="10000"/>
           </a:bodyPr>
           <a:lstStyle>
             <a:lvl1pPr marL="0" indent="0" algn="r" defTabSz="457200" rtl="0" eaLnBrk="1" latinLnBrk="0" hangingPunct="1">
@@ -6543,6 +6543,16 @@
             <a:r>
               <a:rPr lang="en-US" b="1" dirty="0"/>
               <a:t>Content page</a:t>
+            </a:r>
+          </a:p>
+          <a:p>
+            <a:pPr marL="1200150" lvl="2" indent="-285750" algn="l">
+              <a:buFont typeface="Arial" panose="020B0604020202020204" pitchFamily="34" charset="0"/>
+              <a:buChar char="•"/>
+            </a:pPr>
+            <a:r>
+              <a:rPr lang="en-US" b="1" dirty="0"/>
+              <a:t>Macros</a:t>
             </a:r>
           </a:p>
           <a:p>

--- a/MyBlog/ASP.pptx
+++ b/MyBlog/ASP.pptx
@@ -6294,7 +6294,7 @@
         </p:spPr>
         <p:txBody>
           <a:bodyPr vert="horz" lIns="91440" tIns="45720" rIns="91440" bIns="45720" rtlCol="0" anchor="t">
-            <a:normAutofit fontScale="92500" lnSpcReduction="10000"/>
+            <a:normAutofit fontScale="92500" lnSpcReduction="20000"/>
           </a:bodyPr>
           <a:lstStyle>
             <a:lvl1pPr marL="0" indent="0" algn="r" defTabSz="457200" rtl="0" eaLnBrk="1" latinLnBrk="0" hangingPunct="1">
@@ -6674,6 +6674,17 @@
               <a:rPr lang="en-US" b="1" dirty="0"/>
               <a:t>Meta-data</a:t>
             </a:r>
+          </a:p>
+          <a:p>
+            <a:pPr marL="742950" lvl="1" indent="-285750" algn="l">
+              <a:buFont typeface="Arial" panose="020B0604020202020204" pitchFamily="34" charset="0"/>
+              <a:buChar char="•"/>
+            </a:pPr>
+            <a:r>
+              <a:rPr lang="en-US" b="1"/>
+              <a:t>Error Page</a:t>
+            </a:r>
+            <a:endParaRPr lang="en-US" b="1" dirty="0"/>
           </a:p>
           <a:p>
             <a:pPr marL="742950" lvl="1" indent="-285750" algn="l">

--- a/MyBlog/ASP.pptx
+++ b/MyBlog/ASP.pptx
@@ -876,7 +876,7 @@
             <a:fld id="{B61BEF0D-F0BB-DE4B-95CE-6DB70DBA9567}" type="datetimeFigureOut">
               <a:rPr lang="en-US" dirty="0"/>
               <a:pPr/>
-              <a:t>10/10/2022</a:t>
+              <a:t>10/11/2022</a:t>
             </a:fld>
             <a:endParaRPr lang="en-US" dirty="0"/>
           </a:p>
@@ -1124,7 +1124,7 @@
             <a:fld id="{B61BEF0D-F0BB-DE4B-95CE-6DB70DBA9567}" type="datetimeFigureOut">
               <a:rPr lang="en-US" dirty="0"/>
               <a:pPr/>
-              <a:t>10/10/2022</a:t>
+              <a:t>10/11/2022</a:t>
             </a:fld>
             <a:endParaRPr lang="en-US" dirty="0"/>
           </a:p>
@@ -1435,7 +1435,7 @@
             <a:fld id="{B61BEF0D-F0BB-DE4B-95CE-6DB70DBA9567}" type="datetimeFigureOut">
               <a:rPr lang="en-US" dirty="0"/>
               <a:pPr/>
-              <a:t>10/10/2022</a:t>
+              <a:t>10/11/2022</a:t>
             </a:fld>
             <a:endParaRPr lang="en-US" dirty="0"/>
           </a:p>
@@ -1765,7 +1765,7 @@
             <a:fld id="{B61BEF0D-F0BB-DE4B-95CE-6DB70DBA9567}" type="datetimeFigureOut">
               <a:rPr lang="en-US" dirty="0"/>
               <a:pPr/>
-              <a:t>10/10/2022</a:t>
+              <a:t>10/11/2022</a:t>
             </a:fld>
             <a:endParaRPr lang="en-US" dirty="0"/>
           </a:p>
@@ -2076,7 +2076,7 @@
             <a:fld id="{B61BEF0D-F0BB-DE4B-95CE-6DB70DBA9567}" type="datetimeFigureOut">
               <a:rPr lang="en-US" dirty="0"/>
               <a:pPr/>
-              <a:t>10/10/2022</a:t>
+              <a:t>10/11/2022</a:t>
             </a:fld>
             <a:endParaRPr lang="en-US" dirty="0"/>
           </a:p>
@@ -2466,7 +2466,7 @@
             <a:fld id="{B61BEF0D-F0BB-DE4B-95CE-6DB70DBA9567}" type="datetimeFigureOut">
               <a:rPr lang="en-US" dirty="0"/>
               <a:pPr/>
-              <a:t>10/10/2022</a:t>
+              <a:t>10/11/2022</a:t>
             </a:fld>
             <a:endParaRPr lang="en-US" dirty="0"/>
           </a:p>
@@ -2632,7 +2632,7 @@
           <a:p>
             <a:fld id="{55C6B4A9-1611-4792-9094-5F34BCA07E0B}" type="datetimeFigureOut">
               <a:rPr lang="en-US" dirty="0"/>
-              <a:t>10/10/2022</a:t>
+              <a:t>10/11/2022</a:t>
             </a:fld>
             <a:endParaRPr lang="en-US" dirty="0"/>
           </a:p>
@@ -2808,7 +2808,7 @@
             <a:fld id="{B61BEF0D-F0BB-DE4B-95CE-6DB70DBA9567}" type="datetimeFigureOut">
               <a:rPr lang="en-US" dirty="0"/>
               <a:pPr/>
-              <a:t>10/10/2022</a:t>
+              <a:t>10/11/2022</a:t>
             </a:fld>
             <a:endParaRPr lang="en-US" dirty="0"/>
           </a:p>
@@ -2974,7 +2974,7 @@
           <a:p>
             <a:fld id="{42A54C80-263E-416B-A8E0-580EDEADCBDC}" type="datetimeFigureOut">
               <a:rPr lang="en-US" dirty="0"/>
-              <a:t>10/10/2022</a:t>
+              <a:t>10/11/2022</a:t>
             </a:fld>
             <a:endParaRPr lang="en-US" dirty="0"/>
           </a:p>
@@ -3217,7 +3217,7 @@
             <a:fld id="{B61BEF0D-F0BB-DE4B-95CE-6DB70DBA9567}" type="datetimeFigureOut">
               <a:rPr lang="en-US" dirty="0"/>
               <a:pPr/>
-              <a:t>10/10/2022</a:t>
+              <a:t>10/11/2022</a:t>
             </a:fld>
             <a:endParaRPr lang="en-US" dirty="0"/>
           </a:p>
@@ -3445,7 +3445,7 @@
           <a:p>
             <a:fld id="{42A54C80-263E-416B-A8E0-580EDEADCBDC}" type="datetimeFigureOut">
               <a:rPr lang="en-US" dirty="0"/>
-              <a:t>10/10/2022</a:t>
+              <a:t>10/11/2022</a:t>
             </a:fld>
             <a:endParaRPr lang="en-US" dirty="0"/>
           </a:p>
@@ -3815,7 +3815,7 @@
             <a:fld id="{B61BEF0D-F0BB-DE4B-95CE-6DB70DBA9567}" type="datetimeFigureOut">
               <a:rPr lang="en-US" dirty="0"/>
               <a:pPr/>
-              <a:t>10/10/2022</a:t>
+              <a:t>10/11/2022</a:t>
             </a:fld>
             <a:endParaRPr lang="en-US" dirty="0"/>
           </a:p>
@@ -3935,7 +3935,7 @@
             <a:fld id="{B61BEF0D-F0BB-DE4B-95CE-6DB70DBA9567}" type="datetimeFigureOut">
               <a:rPr lang="en-US" dirty="0"/>
               <a:pPr/>
-              <a:t>10/10/2022</a:t>
+              <a:t>10/11/2022</a:t>
             </a:fld>
             <a:endParaRPr lang="en-US" dirty="0"/>
           </a:p>
@@ -4027,7 +4027,7 @@
             <a:fld id="{B61BEF0D-F0BB-DE4B-95CE-6DB70DBA9567}" type="datetimeFigureOut">
               <a:rPr lang="en-US" dirty="0"/>
               <a:pPr/>
-              <a:t>10/10/2022</a:t>
+              <a:t>10/11/2022</a:t>
             </a:fld>
             <a:endParaRPr lang="en-US" dirty="0"/>
           </a:p>
@@ -4278,7 +4278,7 @@
           <a:p>
             <a:fld id="{42A54C80-263E-416B-A8E0-580EDEADCBDC}" type="datetimeFigureOut">
               <a:rPr lang="en-US" dirty="0"/>
-              <a:t>10/10/2022</a:t>
+              <a:t>10/11/2022</a:t>
             </a:fld>
             <a:endParaRPr lang="en-US" dirty="0"/>
           </a:p>
@@ -4580,7 +4580,7 @@
             <a:fld id="{B61BEF0D-F0BB-DE4B-95CE-6DB70DBA9567}" type="datetimeFigureOut">
               <a:rPr lang="en-US" dirty="0"/>
               <a:pPr/>
-              <a:t>10/10/2022</a:t>
+              <a:t>10/11/2022</a:t>
             </a:fld>
             <a:endParaRPr lang="en-US" dirty="0"/>
           </a:p>
@@ -5278,7 +5278,7 @@
             <a:fld id="{B61BEF0D-F0BB-DE4B-95CE-6DB70DBA9567}" type="datetimeFigureOut">
               <a:rPr lang="en-US" dirty="0"/>
               <a:pPr/>
-              <a:t>10/10/2022</a:t>
+              <a:t>10/11/2022</a:t>
             </a:fld>
             <a:endParaRPr lang="en-US" dirty="0"/>
           </a:p>
@@ -5816,7 +5816,7 @@
         </p:nvSpPr>
         <p:spPr>
           <a:xfrm>
-            <a:off x="1592758" y="4811966"/>
+            <a:off x="1372045" y="4590024"/>
             <a:ext cx="8348869" cy="802570"/>
           </a:xfrm>
         </p:spPr>
@@ -5826,10 +5826,9 @@
           <a:p>
             <a:pPr algn="ctr"/>
             <a:r>
-              <a:rPr lang="en-US"/>
+              <a:rPr lang="en-US" dirty="0"/>
               <a:t>Part 1</a:t>
             </a:r>
-            <a:endParaRPr lang="en-US" dirty="0"/>
           </a:p>
         </p:txBody>
       </p:sp>
@@ -5953,7 +5952,7 @@
         </p:blipFill>
         <p:spPr>
           <a:xfrm>
-            <a:off x="4690444" y="924282"/>
+            <a:off x="4681566" y="924282"/>
             <a:ext cx="1958006" cy="2320052"/>
           </a:xfrm>
           <a:prstGeom prst="rect">
@@ -6883,7 +6882,7 @@
         </p:nvSpPr>
         <p:spPr>
           <a:xfrm>
-            <a:off x="668867" y="1678666"/>
+            <a:off x="593380" y="2405320"/>
             <a:ext cx="4088190" cy="2369093"/>
           </a:xfrm>
         </p:spPr>
@@ -6894,7 +6893,7 @@
           <a:lstStyle/>
           <a:p>
             <a:r>
-              <a:rPr lang="en-US" sz="4800">
+              <a:rPr lang="en-US" sz="9600" dirty="0">
                 <a:effectLst>
                   <a:outerShdw blurRad="38100" dist="38100" dir="2700000" algn="tl">
                     <a:srgbClr val="000000">
@@ -6906,7 +6905,7 @@
               <a:t>Demo</a:t>
             </a:r>
             <a:br>
-              <a:rPr lang="en-US" sz="4800">
+              <a:rPr lang="en-US" sz="4800" dirty="0">
                 <a:effectLst>
                   <a:outerShdw blurRad="38100" dist="38100" dir="2700000" algn="tl">
                     <a:srgbClr val="000000">
@@ -6916,7 +6915,7 @@
                 </a:effectLst>
               </a:rPr>
             </a:br>
-            <a:endParaRPr lang="en-US" sz="4800"/>
+            <a:endParaRPr lang="en-US" sz="4800" dirty="0"/>
           </a:p>
         </p:txBody>
       </p:sp>
